--- a/第1回アルゴリズムとは何か.pptx
+++ b/第1回アルゴリズムとは何か.pptx
@@ -4011,7 +4011,7 @@
         <p:spPr>
           <a:xfrm>
             <a:off x="1615858" y="1791222"/>
-            <a:ext cx="6186309" cy="3970318"/>
+            <a:ext cx="6186309" cy="3416320"/>
           </a:xfrm>
           <a:prstGeom prst="rect">
             <a:avLst/>
@@ -4063,14 +4063,15 @@
             </a:r>
             <a:r>
               <a:rPr lang="ja-JP" altLang="en-US" sz="3600" dirty="0" smtClean="0"/>
-              <a:t>変数と定数</a:t>
-            </a:r>
-            <a:endParaRPr lang="en-US" altLang="ja-JP" sz="3600" dirty="0" smtClean="0"/>
-          </a:p>
-          <a:p>
-            <a:r>
-              <a:rPr kumimoji="1" lang="ja-JP" altLang="en-US" sz="3600" dirty="0" smtClean="0"/>
-              <a:t>・ドリル</a:t>
+              <a:t>変数</a:t>
+            </a:r>
+            <a:r>
+              <a:rPr lang="ja-JP" altLang="en-US" sz="3600" smtClean="0"/>
+              <a:t>と</a:t>
+            </a:r>
+            <a:r>
+              <a:rPr lang="ja-JP" altLang="en-US" sz="3600" smtClean="0"/>
+              <a:t>定数</a:t>
             </a:r>
             <a:endParaRPr kumimoji="1" lang="en-US" altLang="ja-JP" sz="3600" dirty="0" smtClean="0"/>
           </a:p>
@@ -4496,11 +4497,7 @@
             </a:r>
             <a:r>
               <a:rPr lang="ja-JP" altLang="en-US" dirty="0" smtClean="0"/>
-              <a:t>ページ　　最大値を求める場合　　総当たりだと１２回だが、トーナメントだと３回</a:t>
-            </a:r>
-            <a:r>
-              <a:rPr lang="ja-JP" altLang="en-US" dirty="0" smtClean="0"/>
-              <a:t>のみ</a:t>
+              <a:t>ページ　　最大値を求める場合　　総当たりだと１２回だが、トーナメントだと３回のみ</a:t>
             </a:r>
             <a:endParaRPr lang="en-US" altLang="ja-JP" dirty="0" smtClean="0"/>
           </a:p>
@@ -4924,11 +4921,7 @@
           <a:p>
             <a:r>
               <a:rPr kumimoji="1" lang="ja-JP" altLang="en-US" dirty="0" smtClean="0"/>
-              <a:t>変数とは</a:t>
-            </a:r>
-            <a:r>
-              <a:rPr kumimoji="1" lang="ja-JP" altLang="en-US" dirty="0" smtClean="0"/>
-              <a:t>？（</a:t>
+              <a:t>変数とは？（</a:t>
             </a:r>
             <a:r>
               <a:rPr kumimoji="1" lang="en-US" altLang="ja-JP" dirty="0" smtClean="0"/>
